--- a/Proposal/ai.art.seed.projects/ai.art.seed.projects.pptx
+++ b/Proposal/ai.art.seed.projects/ai.art.seed.projects.pptx
@@ -240,7 +240,7 @@
           <a:p>
             <a:fld id="{6FE2CDAB-7E1B-764C-8F98-B0062AC3F3FF}" type="datetimeFigureOut">
               <a:rPr lang="en-US" smtClean="0"/>
-              <a:t>10/2/2019</a:t>
+              <a:t>10/3/2019</a:t>
             </a:fld>
             <a:endParaRPr lang="en-US"/>
           </a:p>
@@ -638,7 +638,7 @@
           <a:p>
             <a:fld id="{ACC7D226-C76B-435D-9B20-74F82DEBAEBA}" type="datetimeFigureOut">
               <a:rPr lang="en-US" smtClean="0"/>
-              <a:t>10/2/2019</a:t>
+              <a:t>10/3/2019</a:t>
             </a:fld>
             <a:endParaRPr lang="en-US"/>
           </a:p>
@@ -803,7 +803,7 @@
           <a:p>
             <a:fld id="{ACC7D226-C76B-435D-9B20-74F82DEBAEBA}" type="datetimeFigureOut">
               <a:rPr lang="en-US" smtClean="0"/>
-              <a:t>10/2/2019</a:t>
+              <a:t>10/3/2019</a:t>
             </a:fld>
             <a:endParaRPr lang="en-US"/>
           </a:p>
@@ -978,7 +978,7 @@
           <a:p>
             <a:fld id="{ACC7D226-C76B-435D-9B20-74F82DEBAEBA}" type="datetimeFigureOut">
               <a:rPr lang="en-US" smtClean="0"/>
-              <a:t>10/2/2019</a:t>
+              <a:t>10/3/2019</a:t>
             </a:fld>
             <a:endParaRPr lang="en-US"/>
           </a:p>
@@ -1143,7 +1143,7 @@
           <a:p>
             <a:fld id="{ACC7D226-C76B-435D-9B20-74F82DEBAEBA}" type="datetimeFigureOut">
               <a:rPr lang="en-US" smtClean="0"/>
-              <a:t>10/2/2019</a:t>
+              <a:t>10/3/2019</a:t>
             </a:fld>
             <a:endParaRPr lang="en-US"/>
           </a:p>
@@ -1384,7 +1384,7 @@
           <a:p>
             <a:fld id="{ACC7D226-C76B-435D-9B20-74F82DEBAEBA}" type="datetimeFigureOut">
               <a:rPr lang="en-US" smtClean="0"/>
-              <a:t>10/2/2019</a:t>
+              <a:t>10/3/2019</a:t>
             </a:fld>
             <a:endParaRPr lang="en-US"/>
           </a:p>
@@ -1611,7 +1611,7 @@
           <a:p>
             <a:fld id="{ACC7D226-C76B-435D-9B20-74F82DEBAEBA}" type="datetimeFigureOut">
               <a:rPr lang="en-US" smtClean="0"/>
-              <a:t>10/2/2019</a:t>
+              <a:t>10/3/2019</a:t>
             </a:fld>
             <a:endParaRPr lang="en-US"/>
           </a:p>
@@ -1973,7 +1973,7 @@
           <a:p>
             <a:fld id="{ACC7D226-C76B-435D-9B20-74F82DEBAEBA}" type="datetimeFigureOut">
               <a:rPr lang="en-US" smtClean="0"/>
-              <a:t>10/2/2019</a:t>
+              <a:t>10/3/2019</a:t>
             </a:fld>
             <a:endParaRPr lang="en-US"/>
           </a:p>
@@ -2086,7 +2086,7 @@
           <a:p>
             <a:fld id="{ACC7D226-C76B-435D-9B20-74F82DEBAEBA}" type="datetimeFigureOut">
               <a:rPr lang="en-US" smtClean="0"/>
-              <a:t>10/2/2019</a:t>
+              <a:t>10/3/2019</a:t>
             </a:fld>
             <a:endParaRPr lang="en-US"/>
           </a:p>
@@ -2176,7 +2176,7 @@
           <a:p>
             <a:fld id="{ACC7D226-C76B-435D-9B20-74F82DEBAEBA}" type="datetimeFigureOut">
               <a:rPr lang="en-US" smtClean="0"/>
-              <a:t>10/2/2019</a:t>
+              <a:t>10/3/2019</a:t>
             </a:fld>
             <a:endParaRPr lang="en-US"/>
           </a:p>
@@ -2448,7 +2448,7 @@
           <a:p>
             <a:fld id="{ACC7D226-C76B-435D-9B20-74F82DEBAEBA}" type="datetimeFigureOut">
               <a:rPr lang="en-US" smtClean="0"/>
-              <a:t>10/2/2019</a:t>
+              <a:t>10/3/2019</a:t>
             </a:fld>
             <a:endParaRPr lang="en-US"/>
           </a:p>
@@ -2700,7 +2700,7 @@
           <a:p>
             <a:fld id="{ACC7D226-C76B-435D-9B20-74F82DEBAEBA}" type="datetimeFigureOut">
               <a:rPr lang="en-US" smtClean="0"/>
-              <a:t>10/2/2019</a:t>
+              <a:t>10/3/2019</a:t>
             </a:fld>
             <a:endParaRPr lang="en-US"/>
           </a:p>
@@ -2908,7 +2908,7 @@
           <a:p>
             <a:fld id="{ACC7D226-C76B-435D-9B20-74F82DEBAEBA}" type="datetimeFigureOut">
               <a:rPr lang="en-US" smtClean="0"/>
-              <a:t>10/2/2019</a:t>
+              <a:t>10/3/2019</a:t>
             </a:fld>
             <a:endParaRPr lang="en-US"/>
           </a:p>
@@ -4870,44 +4870,551 @@
           </a:p>
         </p:txBody>
       </p:sp>
-      <p:pic>
-        <p:nvPicPr>
-          <p:cNvPr id="5" name="Picture 4"/>
-          <p:cNvPicPr>
-            <a:picLocks noChangeAspect="1"/>
-          </p:cNvPicPr>
-          <p:nvPr/>
-        </p:nvPicPr>
-        <p:blipFill>
-          <a:blip r:embed="rId2">
-            <a:duotone>
-              <a:schemeClr val="bg2">
-                <a:shade val="45000"/>
-                <a:satMod val="135000"/>
-              </a:schemeClr>
-              <a:prstClr val="white"/>
-            </a:duotone>
-            <a:alphaModFix amt="25000"/>
+      <p:grpSp>
+        <p:nvGrpSpPr>
+          <p:cNvPr id="4" name="Group 3">
             <a:extLst>
-              <a:ext uri="{28A0092B-C50C-407E-A947-70E740481C1C}">
-                <a14:useLocalDpi xmlns:a14="http://schemas.microsoft.com/office/drawing/2010/main" val="0"/>
+              <a:ext uri="{FF2B5EF4-FFF2-40B4-BE49-F238E27FC236}">
+                <a16:creationId xmlns:a16="http://schemas.microsoft.com/office/drawing/2014/main" id="{0ED35E18-809E-4914-9A3F-8D13F5938346}"/>
               </a:ext>
             </a:extLst>
-          </a:blip>
-          <a:stretch>
-            <a:fillRect/>
-          </a:stretch>
-        </p:blipFill>
-        <p:spPr>
+          </p:cNvPr>
+          <p:cNvGrpSpPr/>
+          <p:nvPr/>
+        </p:nvGrpSpPr>
+        <p:grpSpPr>
           <a:xfrm>
-            <a:off x="3289300" y="1676400"/>
-            <a:ext cx="4374490" cy="3489350"/>
+            <a:off x="931659" y="137888"/>
+            <a:ext cx="9126741" cy="6720111"/>
+            <a:chOff x="931659" y="137888"/>
+            <a:chExt cx="9126741" cy="6720111"/>
           </a:xfrm>
-          <a:prstGeom prst="rect">
-            <a:avLst/>
-          </a:prstGeom>
-        </p:spPr>
-      </p:pic>
+        </p:grpSpPr>
+        <p:pic>
+          <p:nvPicPr>
+            <p:cNvPr id="5" name="Picture 4"/>
+            <p:cNvPicPr>
+              <a:picLocks noChangeAspect="1"/>
+            </p:cNvPicPr>
+            <p:nvPr/>
+          </p:nvPicPr>
+          <p:blipFill>
+            <a:blip r:embed="rId2">
+              <a:duotone>
+                <a:schemeClr val="bg2">
+                  <a:shade val="45000"/>
+                  <a:satMod val="135000"/>
+                </a:schemeClr>
+                <a:prstClr val="white"/>
+              </a:duotone>
+              <a:alphaModFix amt="25000"/>
+              <a:extLst>
+                <a:ext uri="{28A0092B-C50C-407E-A947-70E740481C1C}">
+                  <a14:useLocalDpi xmlns:a14="http://schemas.microsoft.com/office/drawing/2010/main" val="0"/>
+                </a:ext>
+              </a:extLst>
+            </a:blip>
+            <a:stretch>
+              <a:fillRect/>
+            </a:stretch>
+          </p:blipFill>
+          <p:spPr>
+            <a:xfrm>
+              <a:off x="931659" y="137888"/>
+              <a:ext cx="9126741" cy="6720111"/>
+            </a:xfrm>
+            <a:prstGeom prst="rect">
+              <a:avLst/>
+            </a:prstGeom>
+          </p:spPr>
+        </p:pic>
+        <p:sp>
+          <p:nvSpPr>
+            <p:cNvPr id="2" name="Oval 1">
+              <a:extLst>
+                <a:ext uri="{FF2B5EF4-FFF2-40B4-BE49-F238E27FC236}">
+                  <a16:creationId xmlns:a16="http://schemas.microsoft.com/office/drawing/2014/main" id="{EFD1A047-A802-47AE-BF2C-CD0E23A1D37B}"/>
+                </a:ext>
+              </a:extLst>
+            </p:cNvPr>
+            <p:cNvSpPr/>
+            <p:nvPr/>
+          </p:nvSpPr>
+          <p:spPr>
+            <a:xfrm>
+              <a:off x="1138687" y="724619"/>
+              <a:ext cx="189781" cy="189781"/>
+            </a:xfrm>
+            <a:prstGeom prst="ellipse">
+              <a:avLst/>
+            </a:prstGeom>
+            <a:solidFill>
+              <a:srgbClr val="148AFF">
+                <a:alpha val="60000"/>
+              </a:srgbClr>
+            </a:solidFill>
+            <a:ln>
+              <a:noFill/>
+            </a:ln>
+          </p:spPr>
+          <p:style>
+            <a:lnRef idx="2">
+              <a:schemeClr val="accent1">
+                <a:shade val="50000"/>
+              </a:schemeClr>
+            </a:lnRef>
+            <a:fillRef idx="1">
+              <a:schemeClr val="accent1"/>
+            </a:fillRef>
+            <a:effectRef idx="0">
+              <a:schemeClr val="accent1"/>
+            </a:effectRef>
+            <a:fontRef idx="minor">
+              <a:schemeClr val="lt1"/>
+            </a:fontRef>
+          </p:style>
+          <p:txBody>
+            <a:bodyPr rtlCol="0" anchor="ctr"/>
+            <a:lstStyle/>
+            <a:p>
+              <a:pPr algn="ctr"/>
+              <a:endParaRPr lang="en-US" dirty="0"/>
+            </a:p>
+          </p:txBody>
+        </p:sp>
+        <p:sp>
+          <p:nvSpPr>
+            <p:cNvPr id="6" name="Oval 5">
+              <a:extLst>
+                <a:ext uri="{FF2B5EF4-FFF2-40B4-BE49-F238E27FC236}">
+                  <a16:creationId xmlns:a16="http://schemas.microsoft.com/office/drawing/2014/main" id="{2970E051-04B7-4412-9A63-99D09199C0B9}"/>
+                </a:ext>
+              </a:extLst>
+            </p:cNvPr>
+            <p:cNvSpPr/>
+            <p:nvPr/>
+          </p:nvSpPr>
+          <p:spPr>
+            <a:xfrm>
+              <a:off x="2048608" y="1320142"/>
+              <a:ext cx="189781" cy="189781"/>
+            </a:xfrm>
+            <a:prstGeom prst="ellipse">
+              <a:avLst/>
+            </a:prstGeom>
+            <a:solidFill>
+              <a:srgbClr val="148AFF">
+                <a:alpha val="60000"/>
+              </a:srgbClr>
+            </a:solidFill>
+            <a:ln>
+              <a:noFill/>
+            </a:ln>
+          </p:spPr>
+          <p:style>
+            <a:lnRef idx="2">
+              <a:schemeClr val="accent1">
+                <a:shade val="50000"/>
+              </a:schemeClr>
+            </a:lnRef>
+            <a:fillRef idx="1">
+              <a:schemeClr val="accent1"/>
+            </a:fillRef>
+            <a:effectRef idx="0">
+              <a:schemeClr val="accent1"/>
+            </a:effectRef>
+            <a:fontRef idx="minor">
+              <a:schemeClr val="lt1"/>
+            </a:fontRef>
+          </p:style>
+          <p:txBody>
+            <a:bodyPr rtlCol="0" anchor="ctr"/>
+            <a:lstStyle/>
+            <a:p>
+              <a:pPr algn="ctr"/>
+              <a:endParaRPr lang="en-US" dirty="0"/>
+            </a:p>
+          </p:txBody>
+        </p:sp>
+        <p:sp>
+          <p:nvSpPr>
+            <p:cNvPr id="7" name="Oval 6">
+              <a:extLst>
+                <a:ext uri="{FF2B5EF4-FFF2-40B4-BE49-F238E27FC236}">
+                  <a16:creationId xmlns:a16="http://schemas.microsoft.com/office/drawing/2014/main" id="{9B81336A-D8FD-4983-853C-E435D6C54B5F}"/>
+                </a:ext>
+              </a:extLst>
+            </p:cNvPr>
+            <p:cNvSpPr/>
+            <p:nvPr/>
+          </p:nvSpPr>
+          <p:spPr>
+            <a:xfrm>
+              <a:off x="6623538" y="4752073"/>
+              <a:ext cx="189781" cy="189781"/>
+            </a:xfrm>
+            <a:prstGeom prst="ellipse">
+              <a:avLst/>
+            </a:prstGeom>
+            <a:solidFill>
+              <a:srgbClr val="148AFF">
+                <a:alpha val="60000"/>
+              </a:srgbClr>
+            </a:solidFill>
+            <a:ln>
+              <a:noFill/>
+            </a:ln>
+          </p:spPr>
+          <p:style>
+            <a:lnRef idx="2">
+              <a:schemeClr val="accent1">
+                <a:shade val="50000"/>
+              </a:schemeClr>
+            </a:lnRef>
+            <a:fillRef idx="1">
+              <a:schemeClr val="accent1"/>
+            </a:fillRef>
+            <a:effectRef idx="0">
+              <a:schemeClr val="accent1"/>
+            </a:effectRef>
+            <a:fontRef idx="minor">
+              <a:schemeClr val="lt1"/>
+            </a:fontRef>
+          </p:style>
+          <p:txBody>
+            <a:bodyPr rtlCol="0" anchor="ctr"/>
+            <a:lstStyle/>
+            <a:p>
+              <a:pPr algn="ctr"/>
+              <a:endParaRPr lang="en-US" dirty="0"/>
+            </a:p>
+          </p:txBody>
+        </p:sp>
+        <p:sp>
+          <p:nvSpPr>
+            <p:cNvPr id="8" name="Oval 7">
+              <a:extLst>
+                <a:ext uri="{FF2B5EF4-FFF2-40B4-BE49-F238E27FC236}">
+                  <a16:creationId xmlns:a16="http://schemas.microsoft.com/office/drawing/2014/main" id="{2A8DE384-C0D6-4F54-BE6C-062E20272BA1}"/>
+                </a:ext>
+              </a:extLst>
+            </p:cNvPr>
+            <p:cNvSpPr/>
+            <p:nvPr/>
+          </p:nvSpPr>
+          <p:spPr>
+            <a:xfrm>
+              <a:off x="8402515" y="4060412"/>
+              <a:ext cx="189781" cy="189781"/>
+            </a:xfrm>
+            <a:prstGeom prst="ellipse">
+              <a:avLst/>
+            </a:prstGeom>
+            <a:solidFill>
+              <a:srgbClr val="148AFF">
+                <a:alpha val="60000"/>
+              </a:srgbClr>
+            </a:solidFill>
+            <a:ln>
+              <a:noFill/>
+            </a:ln>
+          </p:spPr>
+          <p:style>
+            <a:lnRef idx="2">
+              <a:schemeClr val="accent1">
+                <a:shade val="50000"/>
+              </a:schemeClr>
+            </a:lnRef>
+            <a:fillRef idx="1">
+              <a:schemeClr val="accent1"/>
+            </a:fillRef>
+            <a:effectRef idx="0">
+              <a:schemeClr val="accent1"/>
+            </a:effectRef>
+            <a:fontRef idx="minor">
+              <a:schemeClr val="lt1"/>
+            </a:fontRef>
+          </p:style>
+          <p:txBody>
+            <a:bodyPr rtlCol="0" anchor="ctr"/>
+            <a:lstStyle/>
+            <a:p>
+              <a:pPr algn="ctr"/>
+              <a:endParaRPr lang="en-US" dirty="0"/>
+            </a:p>
+          </p:txBody>
+        </p:sp>
+        <p:sp>
+          <p:nvSpPr>
+            <p:cNvPr id="9" name="Oval 8">
+              <a:extLst>
+                <a:ext uri="{FF2B5EF4-FFF2-40B4-BE49-F238E27FC236}">
+                  <a16:creationId xmlns:a16="http://schemas.microsoft.com/office/drawing/2014/main" id="{EB9FDF4B-5DA2-4458-8A6D-0041C49C0CAE}"/>
+                </a:ext>
+              </a:extLst>
+            </p:cNvPr>
+            <p:cNvSpPr/>
+            <p:nvPr/>
+          </p:nvSpPr>
+          <p:spPr>
+            <a:xfrm>
+              <a:off x="3953607" y="5141865"/>
+              <a:ext cx="189781" cy="189781"/>
+            </a:xfrm>
+            <a:prstGeom prst="ellipse">
+              <a:avLst/>
+            </a:prstGeom>
+            <a:solidFill>
+              <a:srgbClr val="148AFF">
+                <a:alpha val="60000"/>
+              </a:srgbClr>
+            </a:solidFill>
+            <a:ln>
+              <a:noFill/>
+            </a:ln>
+          </p:spPr>
+          <p:style>
+            <a:lnRef idx="2">
+              <a:schemeClr val="accent1">
+                <a:shade val="50000"/>
+              </a:schemeClr>
+            </a:lnRef>
+            <a:fillRef idx="1">
+              <a:schemeClr val="accent1"/>
+            </a:fillRef>
+            <a:effectRef idx="0">
+              <a:schemeClr val="accent1"/>
+            </a:effectRef>
+            <a:fontRef idx="minor">
+              <a:schemeClr val="lt1"/>
+            </a:fontRef>
+          </p:style>
+          <p:txBody>
+            <a:bodyPr rtlCol="0" anchor="ctr"/>
+            <a:lstStyle/>
+            <a:p>
+              <a:pPr algn="ctr"/>
+              <a:endParaRPr lang="en-US" dirty="0"/>
+            </a:p>
+          </p:txBody>
+        </p:sp>
+        <p:sp>
+          <p:nvSpPr>
+            <p:cNvPr id="10" name="Oval 9">
+              <a:extLst>
+                <a:ext uri="{FF2B5EF4-FFF2-40B4-BE49-F238E27FC236}">
+                  <a16:creationId xmlns:a16="http://schemas.microsoft.com/office/drawing/2014/main" id="{585969B3-7C6E-4DFA-8F7B-EEA7AE487F8A}"/>
+                </a:ext>
+              </a:extLst>
+            </p:cNvPr>
+            <p:cNvSpPr/>
+            <p:nvPr/>
+          </p:nvSpPr>
+          <p:spPr>
+            <a:xfrm>
+              <a:off x="2199515" y="4019958"/>
+              <a:ext cx="189781" cy="189781"/>
+            </a:xfrm>
+            <a:prstGeom prst="ellipse">
+              <a:avLst/>
+            </a:prstGeom>
+            <a:solidFill>
+              <a:srgbClr val="148AFF">
+                <a:alpha val="60000"/>
+              </a:srgbClr>
+            </a:solidFill>
+            <a:ln>
+              <a:noFill/>
+            </a:ln>
+          </p:spPr>
+          <p:style>
+            <a:lnRef idx="2">
+              <a:schemeClr val="accent1">
+                <a:shade val="50000"/>
+              </a:schemeClr>
+            </a:lnRef>
+            <a:fillRef idx="1">
+              <a:schemeClr val="accent1"/>
+            </a:fillRef>
+            <a:effectRef idx="0">
+              <a:schemeClr val="accent1"/>
+            </a:effectRef>
+            <a:fontRef idx="minor">
+              <a:schemeClr val="lt1"/>
+            </a:fontRef>
+          </p:style>
+          <p:txBody>
+            <a:bodyPr rtlCol="0" anchor="ctr"/>
+            <a:lstStyle/>
+            <a:p>
+              <a:pPr algn="ctr"/>
+              <a:endParaRPr lang="en-US" dirty="0"/>
+            </a:p>
+          </p:txBody>
+        </p:sp>
+        <p:sp>
+          <p:nvSpPr>
+            <p:cNvPr id="11" name="Oval 10">
+              <a:extLst>
+                <a:ext uri="{FF2B5EF4-FFF2-40B4-BE49-F238E27FC236}">
+                  <a16:creationId xmlns:a16="http://schemas.microsoft.com/office/drawing/2014/main" id="{1820E432-FD38-4153-9DCE-9E5CEA3EC71D}"/>
+                </a:ext>
+              </a:extLst>
+            </p:cNvPr>
+            <p:cNvSpPr/>
+            <p:nvPr/>
+          </p:nvSpPr>
+          <p:spPr>
+            <a:xfrm>
+              <a:off x="7170099" y="656104"/>
+              <a:ext cx="189781" cy="189781"/>
+            </a:xfrm>
+            <a:prstGeom prst="ellipse">
+              <a:avLst/>
+            </a:prstGeom>
+            <a:solidFill>
+              <a:srgbClr val="148AFF">
+                <a:alpha val="60000"/>
+              </a:srgbClr>
+            </a:solidFill>
+            <a:ln>
+              <a:noFill/>
+            </a:ln>
+          </p:spPr>
+          <p:style>
+            <a:lnRef idx="2">
+              <a:schemeClr val="accent1">
+                <a:shade val="50000"/>
+              </a:schemeClr>
+            </a:lnRef>
+            <a:fillRef idx="1">
+              <a:schemeClr val="accent1"/>
+            </a:fillRef>
+            <a:effectRef idx="0">
+              <a:schemeClr val="accent1"/>
+            </a:effectRef>
+            <a:fontRef idx="minor">
+              <a:schemeClr val="lt1"/>
+            </a:fontRef>
+          </p:style>
+          <p:txBody>
+            <a:bodyPr rtlCol="0" anchor="ctr"/>
+            <a:lstStyle/>
+            <a:p>
+              <a:pPr algn="ctr"/>
+              <a:endParaRPr lang="en-US" dirty="0"/>
+            </a:p>
+          </p:txBody>
+        </p:sp>
+        <p:sp>
+          <p:nvSpPr>
+            <p:cNvPr id="12" name="Oval 11">
+              <a:extLst>
+                <a:ext uri="{FF2B5EF4-FFF2-40B4-BE49-F238E27FC236}">
+                  <a16:creationId xmlns:a16="http://schemas.microsoft.com/office/drawing/2014/main" id="{1315DCC5-1E25-4868-9341-734EBC48B1FB}"/>
+                </a:ext>
+              </a:extLst>
+            </p:cNvPr>
+            <p:cNvSpPr/>
+            <p:nvPr/>
+          </p:nvSpPr>
+          <p:spPr>
+            <a:xfrm>
+              <a:off x="5442994" y="1095193"/>
+              <a:ext cx="189781" cy="189781"/>
+            </a:xfrm>
+            <a:prstGeom prst="ellipse">
+              <a:avLst/>
+            </a:prstGeom>
+            <a:solidFill>
+              <a:srgbClr val="148AFF">
+                <a:alpha val="60000"/>
+              </a:srgbClr>
+            </a:solidFill>
+            <a:ln>
+              <a:noFill/>
+            </a:ln>
+          </p:spPr>
+          <p:style>
+            <a:lnRef idx="2">
+              <a:schemeClr val="accent1">
+                <a:shade val="50000"/>
+              </a:schemeClr>
+            </a:lnRef>
+            <a:fillRef idx="1">
+              <a:schemeClr val="accent1"/>
+            </a:fillRef>
+            <a:effectRef idx="0">
+              <a:schemeClr val="accent1"/>
+            </a:effectRef>
+            <a:fontRef idx="minor">
+              <a:schemeClr val="lt1"/>
+            </a:fontRef>
+          </p:style>
+          <p:txBody>
+            <a:bodyPr rtlCol="0" anchor="ctr"/>
+            <a:lstStyle/>
+            <a:p>
+              <a:pPr algn="ctr"/>
+              <a:endParaRPr lang="en-US" dirty="0"/>
+            </a:p>
+          </p:txBody>
+        </p:sp>
+        <p:sp>
+          <p:nvSpPr>
+            <p:cNvPr id="13" name="Oval 12">
+              <a:extLst>
+                <a:ext uri="{FF2B5EF4-FFF2-40B4-BE49-F238E27FC236}">
+                  <a16:creationId xmlns:a16="http://schemas.microsoft.com/office/drawing/2014/main" id="{AFD57726-3571-4FFF-982D-F3C42362ABF2}"/>
+                </a:ext>
+              </a:extLst>
+            </p:cNvPr>
+            <p:cNvSpPr/>
+            <p:nvPr/>
+          </p:nvSpPr>
+          <p:spPr>
+            <a:xfrm>
+              <a:off x="6416173" y="1372365"/>
+              <a:ext cx="189781" cy="189781"/>
+            </a:xfrm>
+            <a:prstGeom prst="ellipse">
+              <a:avLst/>
+            </a:prstGeom>
+            <a:solidFill>
+              <a:srgbClr val="148AFF">
+                <a:alpha val="60000"/>
+              </a:srgbClr>
+            </a:solidFill>
+            <a:ln>
+              <a:noFill/>
+            </a:ln>
+          </p:spPr>
+          <p:style>
+            <a:lnRef idx="2">
+              <a:schemeClr val="accent1">
+                <a:shade val="50000"/>
+              </a:schemeClr>
+            </a:lnRef>
+            <a:fillRef idx="1">
+              <a:schemeClr val="accent1"/>
+            </a:fillRef>
+            <a:effectRef idx="0">
+              <a:schemeClr val="accent1"/>
+            </a:effectRef>
+            <a:fontRef idx="minor">
+              <a:schemeClr val="lt1"/>
+            </a:fontRef>
+          </p:style>
+          <p:txBody>
+            <a:bodyPr rtlCol="0" anchor="ctr"/>
+            <a:lstStyle/>
+            <a:p>
+              <a:pPr algn="ctr"/>
+              <a:endParaRPr lang="en-US" dirty="0"/>
+            </a:p>
+          </p:txBody>
+        </p:sp>
+      </p:grpSp>
     </p:spTree>
     <p:extLst>
       <p:ext uri="{BB962C8B-B14F-4D97-AF65-F5344CB8AC3E}">
